--- a/SLIDES/SiteDesign.pptx
+++ b/SLIDES/SiteDesign.pptx
@@ -104,6 +104,11 @@
       </a:defRPr>
     </a:lvl9pPr>
   </p:defaultTextStyle>
+  <p:extLst>
+    <p:ext uri="{EFAFB233-063F-42B5-8137-9DF3F51BA10A}">
+      <p15:sldGuideLst xmlns:p15="http://schemas.microsoft.com/office/powerpoint/2012/main"/>
+    </p:ext>
+  </p:extLst>
 </p:presentation>
 </file>
 
@@ -256,7 +261,7 @@
           <a:p>
             <a:fld id="{19E2A0A9-8937-467D-8AD7-745938BD1BB0}" type="datetimeFigureOut">
               <a:rPr lang="en-GB" smtClean="0"/>
-              <a:t>20/11/2018</a:t>
+              <a:t>24/11/2018</a:t>
             </a:fld>
             <a:endParaRPr lang="en-GB"/>
           </a:p>
@@ -456,7 +461,7 @@
           <a:p>
             <a:fld id="{19E2A0A9-8937-467D-8AD7-745938BD1BB0}" type="datetimeFigureOut">
               <a:rPr lang="en-GB" smtClean="0"/>
-              <a:t>20/11/2018</a:t>
+              <a:t>24/11/2018</a:t>
             </a:fld>
             <a:endParaRPr lang="en-GB"/>
           </a:p>
@@ -666,7 +671,7 @@
           <a:p>
             <a:fld id="{19E2A0A9-8937-467D-8AD7-745938BD1BB0}" type="datetimeFigureOut">
               <a:rPr lang="en-GB" smtClean="0"/>
-              <a:t>20/11/2018</a:t>
+              <a:t>24/11/2018</a:t>
             </a:fld>
             <a:endParaRPr lang="en-GB"/>
           </a:p>
@@ -866,7 +871,7 @@
           <a:p>
             <a:fld id="{19E2A0A9-8937-467D-8AD7-745938BD1BB0}" type="datetimeFigureOut">
               <a:rPr lang="en-GB" smtClean="0"/>
-              <a:t>20/11/2018</a:t>
+              <a:t>24/11/2018</a:t>
             </a:fld>
             <a:endParaRPr lang="en-GB"/>
           </a:p>
@@ -1142,7 +1147,7 @@
           <a:p>
             <a:fld id="{19E2A0A9-8937-467D-8AD7-745938BD1BB0}" type="datetimeFigureOut">
               <a:rPr lang="en-GB" smtClean="0"/>
-              <a:t>20/11/2018</a:t>
+              <a:t>24/11/2018</a:t>
             </a:fld>
             <a:endParaRPr lang="en-GB"/>
           </a:p>
@@ -1410,7 +1415,7 @@
           <a:p>
             <a:fld id="{19E2A0A9-8937-467D-8AD7-745938BD1BB0}" type="datetimeFigureOut">
               <a:rPr lang="en-GB" smtClean="0"/>
-              <a:t>20/11/2018</a:t>
+              <a:t>24/11/2018</a:t>
             </a:fld>
             <a:endParaRPr lang="en-GB"/>
           </a:p>
@@ -1825,7 +1830,7 @@
           <a:p>
             <a:fld id="{19E2A0A9-8937-467D-8AD7-745938BD1BB0}" type="datetimeFigureOut">
               <a:rPr lang="en-GB" smtClean="0"/>
-              <a:t>20/11/2018</a:t>
+              <a:t>24/11/2018</a:t>
             </a:fld>
             <a:endParaRPr lang="en-GB"/>
           </a:p>
@@ -1967,7 +1972,7 @@
           <a:p>
             <a:fld id="{19E2A0A9-8937-467D-8AD7-745938BD1BB0}" type="datetimeFigureOut">
               <a:rPr lang="en-GB" smtClean="0"/>
-              <a:t>20/11/2018</a:t>
+              <a:t>24/11/2018</a:t>
             </a:fld>
             <a:endParaRPr lang="en-GB"/>
           </a:p>
@@ -2080,7 +2085,7 @@
           <a:p>
             <a:fld id="{19E2A0A9-8937-467D-8AD7-745938BD1BB0}" type="datetimeFigureOut">
               <a:rPr lang="en-GB" smtClean="0"/>
-              <a:t>20/11/2018</a:t>
+              <a:t>24/11/2018</a:t>
             </a:fld>
             <a:endParaRPr lang="en-GB"/>
           </a:p>
@@ -2393,7 +2398,7 @@
           <a:p>
             <a:fld id="{19E2A0A9-8937-467D-8AD7-745938BD1BB0}" type="datetimeFigureOut">
               <a:rPr lang="en-GB" smtClean="0"/>
-              <a:t>20/11/2018</a:t>
+              <a:t>24/11/2018</a:t>
             </a:fld>
             <a:endParaRPr lang="en-GB"/>
           </a:p>
@@ -2682,7 +2687,7 @@
           <a:p>
             <a:fld id="{19E2A0A9-8937-467D-8AD7-745938BD1BB0}" type="datetimeFigureOut">
               <a:rPr lang="en-GB" smtClean="0"/>
-              <a:t>20/11/2018</a:t>
+              <a:t>24/11/2018</a:t>
             </a:fld>
             <a:endParaRPr lang="en-GB"/>
           </a:p>
@@ -2925,7 +2930,7 @@
           <a:p>
             <a:fld id="{19E2A0A9-8937-467D-8AD7-745938BD1BB0}" type="datetimeFigureOut">
               <a:rPr lang="en-GB" smtClean="0"/>
-              <a:t>20/11/2018</a:t>
+              <a:t>24/11/2018</a:t>
             </a:fld>
             <a:endParaRPr lang="en-GB"/>
           </a:p>
@@ -3331,7 +3336,7 @@
     <p:bg>
       <p:bgPr>
         <a:solidFill>
-          <a:srgbClr val="00B0F0"/>
+          <a:schemeClr val="bg1"/>
         </a:solidFill>
         <a:effectLst/>
       </p:bgPr>
@@ -3352,10 +3357,10 @@
       </p:grpSpPr>
       <p:sp>
         <p:nvSpPr>
-          <p:cNvPr id="4" name="Rectangle 3">
-            <a:extLst>
-              <a:ext uri="{FF2B5EF4-FFF2-40B4-BE49-F238E27FC236}">
-                <a16:creationId xmlns:a16="http://schemas.microsoft.com/office/drawing/2014/main" id="{4A2C27D3-2EC2-44E3-926E-B5AD0C51F8C7}"/>
+          <p:cNvPr id="3" name="Rectangle 2">
+            <a:extLst>
+              <a:ext uri="{FF2B5EF4-FFF2-40B4-BE49-F238E27FC236}">
+                <a16:creationId xmlns:a16="http://schemas.microsoft.com/office/drawing/2014/main" id="{B7BDDECD-6B3A-4CAC-97B6-303E2CE2D709}"/>
               </a:ext>
             </a:extLst>
           </p:cNvPr>
@@ -3364,8 +3369,8 @@
         </p:nvSpPr>
         <p:spPr>
           <a:xfrm>
-            <a:off x="1929119" y="1464595"/>
-            <a:ext cx="8353425" cy="4191000"/>
+            <a:off x="0" y="-32059"/>
+            <a:ext cx="12167419" cy="1578088"/>
           </a:xfrm>
           <a:prstGeom prst="rect">
             <a:avLst/>
@@ -3373,6 +3378,9 @@
           <a:solidFill>
             <a:schemeClr val="bg1"/>
           </a:solidFill>
+          <a:ln>
+            <a:noFill/>
+          </a:ln>
         </p:spPr>
         <p:style>
           <a:lnRef idx="2">
@@ -3401,10 +3409,10 @@
       </p:sp>
       <p:sp>
         <p:nvSpPr>
-          <p:cNvPr id="24" name="Rectangle 23">
-            <a:extLst>
-              <a:ext uri="{FF2B5EF4-FFF2-40B4-BE49-F238E27FC236}">
-                <a16:creationId xmlns:a16="http://schemas.microsoft.com/office/drawing/2014/main" id="{F6039CA1-7617-4E2C-9F81-003B23F62041}"/>
+          <p:cNvPr id="5" name="Rectangle 4">
+            <a:extLst>
+              <a:ext uri="{FF2B5EF4-FFF2-40B4-BE49-F238E27FC236}">
+                <a16:creationId xmlns:a16="http://schemas.microsoft.com/office/drawing/2014/main" id="{E6A08521-26E3-4D06-9612-1A3A470A1031}"/>
               </a:ext>
             </a:extLst>
           </p:cNvPr>
@@ -3413,15 +3421,114 @@
         </p:nvSpPr>
         <p:spPr>
           <a:xfrm>
-            <a:off x="2192594" y="4984955"/>
-            <a:ext cx="1032387" cy="387145"/>
+            <a:off x="4028094" y="462260"/>
+            <a:ext cx="4135812" cy="923330"/>
+          </a:xfrm>
+          <a:prstGeom prst="rect">
+            <a:avLst/>
+          </a:prstGeom>
+          <a:noFill/>
+        </p:spPr>
+        <p:txBody>
+          <a:bodyPr wrap="none" lIns="91440" tIns="45720" rIns="91440" bIns="45720">
+            <a:spAutoFit/>
+          </a:bodyPr>
+          <a:lstStyle/>
+          <a:p>
+            <a:pPr algn="ctr"/>
+            <a:r>
+              <a:rPr lang="en-US" sz="5400" b="0" cap="none" spc="0" dirty="0" err="1">
+                <a:ln w="0"/>
+                <a:solidFill>
+                  <a:schemeClr val="tx1"/>
+                </a:solidFill>
+                <a:effectLst>
+                  <a:outerShdw blurRad="38100" dist="19050" dir="2700000" algn="tl" rotWithShape="0">
+                    <a:schemeClr val="dk1">
+                      <a:alpha val="40000"/>
+                    </a:schemeClr>
+                  </a:outerShdw>
+                </a:effectLst>
+              </a:rPr>
+              <a:t>BACK</a:t>
+            </a:r>
+            <a:r>
+              <a:rPr lang="en-US" sz="5400" b="0" cap="none" spc="0" dirty="0" err="1">
+                <a:ln w="0"/>
+                <a:effectLst>
+                  <a:outerShdw blurRad="38100" dist="19050" dir="2700000" algn="tl" rotWithShape="0">
+                    <a:schemeClr val="dk1">
+                      <a:alpha val="40000"/>
+                    </a:schemeClr>
+                  </a:outerShdw>
+                </a:effectLst>
+              </a:rPr>
+              <a:t>on</a:t>
+            </a:r>
+            <a:r>
+              <a:rPr lang="en-US" sz="5400" b="0" cap="none" spc="0" dirty="0" err="1">
+                <a:ln w="0"/>
+                <a:solidFill>
+                  <a:schemeClr val="tx1"/>
+                </a:solidFill>
+                <a:effectLst>
+                  <a:outerShdw blurRad="38100" dist="19050" dir="2700000" algn="tl" rotWithShape="0">
+                    <a:schemeClr val="dk1">
+                      <a:alpha val="40000"/>
+                    </a:schemeClr>
+                  </a:outerShdw>
+                </a:effectLst>
+              </a:rPr>
+              <a:t>LINE</a:t>
+            </a:r>
+            <a:r>
+              <a:rPr lang="en-US" sz="5400" b="0" cap="none" spc="0" dirty="0">
+                <a:ln w="0"/>
+                <a:solidFill>
+                  <a:schemeClr val="tx1"/>
+                </a:solidFill>
+                <a:effectLst>
+                  <a:outerShdw blurRad="38100" dist="19050" dir="2700000" algn="tl" rotWithShape="0">
+                    <a:schemeClr val="dk1">
+                      <a:alpha val="40000"/>
+                    </a:schemeClr>
+                  </a:outerShdw>
+                </a:effectLst>
+              </a:rPr>
+              <a:t>™</a:t>
+            </a:r>
+          </a:p>
+        </p:txBody>
+      </p:sp>
+      <p:sp>
+        <p:nvSpPr>
+          <p:cNvPr id="12" name="Rectangle 11">
+            <a:extLst>
+              <a:ext uri="{FF2B5EF4-FFF2-40B4-BE49-F238E27FC236}">
+                <a16:creationId xmlns:a16="http://schemas.microsoft.com/office/drawing/2014/main" id="{9DFCC23D-12DE-434C-8524-DEB76FC2880A}"/>
+              </a:ext>
+            </a:extLst>
+          </p:cNvPr>
+          <p:cNvSpPr/>
+          <p:nvPr/>
+        </p:nvSpPr>
+        <p:spPr>
+          <a:xfrm>
+            <a:off x="0" y="1716969"/>
+            <a:ext cx="12192000" cy="5261393"/>
           </a:xfrm>
           <a:prstGeom prst="rect">
             <a:avLst/>
           </a:prstGeom>
           <a:solidFill>
-            <a:schemeClr val="bg2"/>
+            <a:schemeClr val="accent4">
+              <a:lumMod val="20000"/>
+              <a:lumOff val="80000"/>
+            </a:schemeClr>
           </a:solidFill>
+          <a:ln>
+            <a:noFill/>
+          </a:ln>
         </p:spPr>
         <p:style>
           <a:lnRef idx="2">
@@ -3444,6 +3551,119 @@
           <a:lstStyle/>
           <a:p>
             <a:pPr algn="ctr"/>
+            <a:r>
+              <a:rPr lang="en-GB" dirty="0"/>
+              <a:t>y</a:t>
+            </a:r>
+          </a:p>
+        </p:txBody>
+      </p:sp>
+      <p:sp>
+        <p:nvSpPr>
+          <p:cNvPr id="4" name="Rectangle 3">
+            <a:extLst>
+              <a:ext uri="{FF2B5EF4-FFF2-40B4-BE49-F238E27FC236}">
+                <a16:creationId xmlns:a16="http://schemas.microsoft.com/office/drawing/2014/main" id="{4A2C27D3-2EC2-44E3-926E-B5AD0C51F8C7}"/>
+              </a:ext>
+            </a:extLst>
+          </p:cNvPr>
+          <p:cNvSpPr/>
+          <p:nvPr/>
+        </p:nvSpPr>
+        <p:spPr>
+          <a:xfrm>
+            <a:off x="2000566" y="1948908"/>
+            <a:ext cx="8353425" cy="4191000"/>
+          </a:xfrm>
+          <a:prstGeom prst="rect">
+            <a:avLst/>
+          </a:prstGeom>
+          <a:solidFill>
+            <a:schemeClr val="accent4">
+              <a:lumMod val="20000"/>
+              <a:lumOff val="80000"/>
+            </a:schemeClr>
+          </a:solidFill>
+          <a:ln>
+            <a:noFill/>
+          </a:ln>
+        </p:spPr>
+        <p:style>
+          <a:lnRef idx="2">
+            <a:schemeClr val="accent1">
+              <a:shade val="50000"/>
+            </a:schemeClr>
+          </a:lnRef>
+          <a:fillRef idx="1">
+            <a:schemeClr val="accent1"/>
+          </a:fillRef>
+          <a:effectRef idx="0">
+            <a:schemeClr val="accent1"/>
+          </a:effectRef>
+          <a:fontRef idx="minor">
+            <a:schemeClr val="lt1"/>
+          </a:fontRef>
+        </p:style>
+        <p:txBody>
+          <a:bodyPr rtlCol="0" anchor="ctr"/>
+          <a:lstStyle/>
+          <a:p>
+            <a:pPr algn="ctr"/>
+            <a:endParaRPr lang="en-GB"/>
+          </a:p>
+        </p:txBody>
+      </p:sp>
+      <p:sp>
+        <p:nvSpPr>
+          <p:cNvPr id="24" name="Rectangle 23">
+            <a:extLst>
+              <a:ext uri="{FF2B5EF4-FFF2-40B4-BE49-F238E27FC236}">
+                <a16:creationId xmlns:a16="http://schemas.microsoft.com/office/drawing/2014/main" id="{F6039CA1-7617-4E2C-9F81-003B23F62041}"/>
+              </a:ext>
+            </a:extLst>
+          </p:cNvPr>
+          <p:cNvSpPr/>
+          <p:nvPr/>
+        </p:nvSpPr>
+        <p:spPr>
+          <a:xfrm>
+            <a:off x="4164184" y="5584393"/>
+            <a:ext cx="1032387" cy="387145"/>
+          </a:xfrm>
+          <a:prstGeom prst="rect">
+            <a:avLst/>
+          </a:prstGeom>
+          <a:solidFill>
+            <a:schemeClr val="accent5">
+              <a:lumMod val="60000"/>
+              <a:lumOff val="40000"/>
+            </a:schemeClr>
+          </a:solidFill>
+          <a:ln>
+            <a:noFill/>
+          </a:ln>
+        </p:spPr>
+        <p:style>
+          <a:lnRef idx="2">
+            <a:schemeClr val="accent1">
+              <a:shade val="50000"/>
+            </a:schemeClr>
+          </a:lnRef>
+          <a:fillRef idx="1">
+            <a:schemeClr val="accent1"/>
+          </a:fillRef>
+          <a:effectRef idx="0">
+            <a:schemeClr val="accent1"/>
+          </a:effectRef>
+          <a:fontRef idx="minor">
+            <a:schemeClr val="lt1"/>
+          </a:fontRef>
+        </p:style>
+        <p:txBody>
+          <a:bodyPr rtlCol="0" anchor="ctr"/>
+          <a:lstStyle/>
+          <a:p>
+            <a:pPr algn="ctr"/>
             <a:endParaRPr lang="en-GB" dirty="0">
               <a:solidFill>
                 <a:srgbClr val="FF0000"/>
@@ -3454,20 +3674,20 @@
       </p:sp>
       <p:sp>
         <p:nvSpPr>
-          <p:cNvPr id="5" name="Rectangle 4">
-            <a:extLst>
-              <a:ext uri="{FF2B5EF4-FFF2-40B4-BE49-F238E27FC236}">
-                <a16:creationId xmlns:a16="http://schemas.microsoft.com/office/drawing/2014/main" id="{E6A08521-26E3-4D06-9612-1A3A470A1031}"/>
-              </a:ext>
-            </a:extLst>
-          </p:cNvPr>
-          <p:cNvSpPr/>
+          <p:cNvPr id="6" name="TextBox 5">
+            <a:extLst>
+              <a:ext uri="{FF2B5EF4-FFF2-40B4-BE49-F238E27FC236}">
+                <a16:creationId xmlns:a16="http://schemas.microsoft.com/office/drawing/2014/main" id="{81AEE926-20B6-4186-8F98-EE53FB4380D4}"/>
+              </a:ext>
+            </a:extLst>
+          </p:cNvPr>
+          <p:cNvSpPr txBox="1"/>
           <p:nvPr/>
         </p:nvSpPr>
         <p:spPr>
           <a:xfrm>
-            <a:off x="4028094" y="462260"/>
-            <a:ext cx="4135812" cy="923330"/>
+            <a:off x="3767137" y="2346813"/>
+            <a:ext cx="4657725" cy="646331"/>
           </a:xfrm>
           <a:prstGeom prst="rect">
             <a:avLst/>
@@ -3475,78 +3695,22 @@
           <a:noFill/>
         </p:spPr>
         <p:txBody>
-          <a:bodyPr wrap="none" lIns="91440" tIns="45720" rIns="91440" bIns="45720">
-            <a:spAutoFit/>
-          </a:bodyPr>
-          <a:lstStyle/>
-          <a:p>
-            <a:pPr algn="ctr"/>
-            <a:r>
-              <a:rPr lang="en-US" sz="5400" b="0" cap="none" spc="0" dirty="0" err="1">
-                <a:ln w="0"/>
-                <a:solidFill>
-                  <a:schemeClr val="tx1"/>
-                </a:solidFill>
-                <a:effectLst>
-                  <a:outerShdw blurRad="38100" dist="19050" dir="2700000" algn="tl" rotWithShape="0">
-                    <a:schemeClr val="dk1">
-                      <a:alpha val="40000"/>
-                    </a:schemeClr>
-                  </a:outerShdw>
-                </a:effectLst>
-              </a:rPr>
-              <a:t>BACKonLINE</a:t>
-            </a:r>
-            <a:r>
-              <a:rPr lang="en-US" sz="5400" b="0" cap="none" spc="0" dirty="0">
-                <a:ln w="0"/>
-                <a:solidFill>
-                  <a:schemeClr val="tx1"/>
-                </a:solidFill>
-                <a:effectLst>
-                  <a:outerShdw blurRad="38100" dist="19050" dir="2700000" algn="tl" rotWithShape="0">
-                    <a:schemeClr val="dk1">
-                      <a:alpha val="40000"/>
-                    </a:schemeClr>
-                  </a:outerShdw>
-                </a:effectLst>
-              </a:rPr>
-              <a:t>™</a:t>
-            </a:r>
-          </a:p>
-        </p:txBody>
-      </p:sp>
-      <p:sp>
-        <p:nvSpPr>
-          <p:cNvPr id="6" name="TextBox 5">
-            <a:extLst>
-              <a:ext uri="{FF2B5EF4-FFF2-40B4-BE49-F238E27FC236}">
-                <a16:creationId xmlns:a16="http://schemas.microsoft.com/office/drawing/2014/main" id="{81AEE926-20B6-4186-8F98-EE53FB4380D4}"/>
-              </a:ext>
-            </a:extLst>
-          </p:cNvPr>
-          <p:cNvSpPr txBox="1"/>
-          <p:nvPr/>
-        </p:nvSpPr>
-        <p:spPr>
-          <a:xfrm>
-            <a:off x="3767136" y="1876425"/>
-            <a:ext cx="4657725" cy="369332"/>
-          </a:xfrm>
-          <a:prstGeom prst="rect">
-            <a:avLst/>
-          </a:prstGeom>
-          <a:noFill/>
-        </p:spPr>
-        <p:txBody>
           <a:bodyPr wrap="square" rtlCol="0">
             <a:spAutoFit/>
           </a:bodyPr>
           <a:lstStyle/>
           <a:p>
+            <a:pPr algn="ctr"/>
+            <a:r>
+              <a:rPr lang="en-GB" b="1" dirty="0"/>
+              <a:t>Question 1:</a:t>
+            </a:r>
+          </a:p>
+          <a:p>
+            <a:pPr algn="ctr"/>
             <a:r>
               <a:rPr lang="en-GB" dirty="0"/>
-              <a:t>Q1 : Do you know what caused your back pain?</a:t>
+              <a:t>Do you know what caused your back pain?</a:t>
             </a:r>
           </a:p>
         </p:txBody>
@@ -3565,7 +3729,7 @@
         </p:nvSpPr>
         <p:spPr>
           <a:xfrm>
-            <a:off x="2352675" y="2609850"/>
+            <a:off x="2342843" y="3209290"/>
             <a:ext cx="1042219" cy="1477328"/>
           </a:xfrm>
           <a:prstGeom prst="rect">
@@ -3580,25 +3744,45 @@
           <a:lstStyle/>
           <a:p>
             <a:r>
-              <a:rPr lang="en-GB" dirty="0"/>
+              <a:rPr lang="en-GB" dirty="0">
+                <a:solidFill>
+                  <a:srgbClr val="0070C0"/>
+                </a:solidFill>
+              </a:rPr>
               <a:t>Yes </a:t>
             </a:r>
           </a:p>
           <a:p>
-            <a:endParaRPr lang="en-GB" dirty="0"/>
-          </a:p>
-          <a:p>
-            <a:r>
-              <a:rPr lang="en-GB" dirty="0"/>
+            <a:endParaRPr lang="en-GB" dirty="0">
+              <a:solidFill>
+                <a:srgbClr val="0070C0"/>
+              </a:solidFill>
+            </a:endParaRPr>
+          </a:p>
+          <a:p>
+            <a:r>
+              <a:rPr lang="en-GB" dirty="0">
+                <a:solidFill>
+                  <a:srgbClr val="0070C0"/>
+                </a:solidFill>
+              </a:rPr>
               <a:t>No </a:t>
             </a:r>
           </a:p>
           <a:p>
-            <a:endParaRPr lang="en-GB" dirty="0"/>
-          </a:p>
-          <a:p>
-            <a:r>
-              <a:rPr lang="en-GB" dirty="0"/>
+            <a:endParaRPr lang="en-GB" dirty="0">
+              <a:solidFill>
+                <a:srgbClr val="0070C0"/>
+              </a:solidFill>
+            </a:endParaRPr>
+          </a:p>
+          <a:p>
+            <a:r>
+              <a:rPr lang="en-GB" dirty="0">
+                <a:solidFill>
+                  <a:srgbClr val="0070C0"/>
+                </a:solidFill>
+              </a:rPr>
               <a:t>Not Sure</a:t>
             </a:r>
           </a:p>
@@ -3618,7 +3802,7 @@
         </p:nvSpPr>
         <p:spPr>
           <a:xfrm>
-            <a:off x="4300540" y="2695575"/>
+            <a:off x="4290708" y="3295015"/>
             <a:ext cx="171450" cy="171450"/>
           </a:xfrm>
           <a:prstGeom prst="ellipse">
@@ -3667,7 +3851,7 @@
         </p:nvSpPr>
         <p:spPr>
           <a:xfrm>
-            <a:off x="4300540" y="3231118"/>
+            <a:off x="4290708" y="3830558"/>
             <a:ext cx="171450" cy="171450"/>
           </a:xfrm>
           <a:prstGeom prst="ellipse">
@@ -3716,7 +3900,7 @@
         </p:nvSpPr>
         <p:spPr>
           <a:xfrm>
-            <a:off x="4300540" y="3819526"/>
+            <a:off x="4290708" y="4418966"/>
             <a:ext cx="171450" cy="171450"/>
           </a:xfrm>
           <a:prstGeom prst="ellipse">
@@ -3765,7 +3949,7 @@
         </p:nvSpPr>
         <p:spPr>
           <a:xfrm>
-            <a:off x="7720012" y="2459504"/>
+            <a:off x="7710180" y="3058944"/>
             <a:ext cx="1270574" cy="1938992"/>
           </a:xfrm>
           <a:prstGeom prst="rect">
@@ -3825,7 +4009,7 @@
         </p:nvCxnSpPr>
         <p:spPr>
           <a:xfrm flipH="1">
-            <a:off x="4621161" y="2781300"/>
+            <a:off x="4611329" y="3380740"/>
             <a:ext cx="2969342" cy="0"/>
           </a:xfrm>
           <a:prstGeom prst="straightConnector1">
@@ -3866,7 +4050,7 @@
         </p:nvCxnSpPr>
         <p:spPr>
           <a:xfrm flipH="1">
-            <a:off x="4678004" y="3342369"/>
+            <a:off x="4668172" y="3941809"/>
             <a:ext cx="2969342" cy="0"/>
           </a:xfrm>
           <a:prstGeom prst="straightConnector1">
@@ -3907,7 +4091,7 @@
         </p:nvCxnSpPr>
         <p:spPr>
           <a:xfrm flipH="1">
-            <a:off x="4611326" y="3905251"/>
+            <a:off x="4601494" y="4504691"/>
             <a:ext cx="2969342" cy="0"/>
           </a:xfrm>
           <a:prstGeom prst="straightConnector1">
@@ -3934,10 +4118,10 @@
       </p:cxnSp>
       <p:sp>
         <p:nvSpPr>
-          <p:cNvPr id="20" name="TextBox 19">
-            <a:extLst>
-              <a:ext uri="{FF2B5EF4-FFF2-40B4-BE49-F238E27FC236}">
-                <a16:creationId xmlns:a16="http://schemas.microsoft.com/office/drawing/2014/main" id="{3EAE126D-3211-4FD3-AA19-1A5AF7C58FB0}"/>
+          <p:cNvPr id="23" name="TextBox 22">
+            <a:extLst>
+              <a:ext uri="{FF2B5EF4-FFF2-40B4-BE49-F238E27FC236}">
+                <a16:creationId xmlns:a16="http://schemas.microsoft.com/office/drawing/2014/main" id="{444D53DF-D17F-4C71-AA53-29C93DCA3516}"/>
               </a:ext>
             </a:extLst>
           </p:cNvPr>
@@ -3946,77 +4130,7 @@
         </p:nvSpPr>
         <p:spPr>
           <a:xfrm>
-            <a:off x="117987" y="147484"/>
-            <a:ext cx="1671484" cy="1200329"/>
-          </a:xfrm>
-          <a:prstGeom prst="rect">
-            <a:avLst/>
-          </a:prstGeom>
-          <a:noFill/>
-        </p:spPr>
-        <p:txBody>
-          <a:bodyPr wrap="square" rtlCol="0">
-            <a:spAutoFit/>
-          </a:bodyPr>
-          <a:lstStyle/>
-          <a:p>
-            <a:r>
-              <a:rPr lang="en-GB" sz="2400" dirty="0"/>
-              <a:t>Cardiff University Logo</a:t>
-            </a:r>
-          </a:p>
-        </p:txBody>
-      </p:sp>
-      <p:sp>
-        <p:nvSpPr>
-          <p:cNvPr id="21" name="TextBox 20">
-            <a:extLst>
-              <a:ext uri="{FF2B5EF4-FFF2-40B4-BE49-F238E27FC236}">
-                <a16:creationId xmlns:a16="http://schemas.microsoft.com/office/drawing/2014/main" id="{B3DBBEE6-0580-44AB-8446-151B8BE308E5}"/>
-              </a:ext>
-            </a:extLst>
-          </p:cNvPr>
-          <p:cNvSpPr txBox="1"/>
-          <p:nvPr/>
-        </p:nvSpPr>
-        <p:spPr>
-          <a:xfrm>
-            <a:off x="10495935" y="138881"/>
-            <a:ext cx="1671484" cy="1200329"/>
-          </a:xfrm>
-          <a:prstGeom prst="rect">
-            <a:avLst/>
-          </a:prstGeom>
-          <a:noFill/>
-        </p:spPr>
-        <p:txBody>
-          <a:bodyPr wrap="square" rtlCol="0">
-            <a:spAutoFit/>
-          </a:bodyPr>
-          <a:lstStyle/>
-          <a:p>
-            <a:r>
-              <a:rPr lang="en-GB" sz="2400" dirty="0"/>
-              <a:t>Arthritis Research UK Logo</a:t>
-            </a:r>
-          </a:p>
-        </p:txBody>
-      </p:sp>
-      <p:sp>
-        <p:nvSpPr>
-          <p:cNvPr id="23" name="TextBox 22">
-            <a:extLst>
-              <a:ext uri="{FF2B5EF4-FFF2-40B4-BE49-F238E27FC236}">
-                <a16:creationId xmlns:a16="http://schemas.microsoft.com/office/drawing/2014/main" id="{444D53DF-D17F-4C71-AA53-29C93DCA3516}"/>
-              </a:ext>
-            </a:extLst>
-          </p:cNvPr>
-          <p:cNvSpPr txBox="1"/>
-          <p:nvPr/>
-        </p:nvSpPr>
-        <p:spPr>
-          <a:xfrm>
-            <a:off x="2219325" y="4993861"/>
+            <a:off x="4214326" y="5593300"/>
             <a:ext cx="1042219" cy="369332"/>
           </a:xfrm>
           <a:prstGeom prst="rect">
@@ -4051,15 +4165,21 @@
         </p:nvSpPr>
         <p:spPr>
           <a:xfrm>
-            <a:off x="8940288" y="5017555"/>
+            <a:off x="6311212" y="5566911"/>
             <a:ext cx="1032387" cy="387145"/>
           </a:xfrm>
           <a:prstGeom prst="rect">
             <a:avLst/>
           </a:prstGeom>
           <a:solidFill>
-            <a:schemeClr val="bg2"/>
+            <a:schemeClr val="accent5">
+              <a:lumMod val="60000"/>
+              <a:lumOff val="40000"/>
+            </a:schemeClr>
           </a:solidFill>
+          <a:ln>
+            <a:noFill/>
+          </a:ln>
         </p:spPr>
         <p:style>
           <a:lnRef idx="2">
@@ -4104,7 +4224,7 @@
         </p:nvSpPr>
         <p:spPr>
           <a:xfrm>
-            <a:off x="9136190" y="5024073"/>
+            <a:off x="6538452" y="5593300"/>
             <a:ext cx="1042219" cy="369332"/>
           </a:xfrm>
           <a:prstGeom prst="rect">
@@ -4125,6 +4245,78 @@
           </a:p>
         </p:txBody>
       </p:sp>
+      <p:pic>
+        <p:nvPicPr>
+          <p:cNvPr id="15" name="Picture 14">
+            <a:extLst>
+              <a:ext uri="{FF2B5EF4-FFF2-40B4-BE49-F238E27FC236}">
+                <a16:creationId xmlns:a16="http://schemas.microsoft.com/office/drawing/2014/main" id="{8B8CA610-22C7-404E-922A-8BAD85F177F4}"/>
+              </a:ext>
+            </a:extLst>
+          </p:cNvPr>
+          <p:cNvPicPr>
+            <a:picLocks noChangeAspect="1"/>
+          </p:cNvPicPr>
+          <p:nvPr/>
+        </p:nvPicPr>
+        <p:blipFill>
+          <a:blip r:embed="rId2">
+            <a:extLst>
+              <a:ext uri="{28A0092B-C50C-407E-A947-70E740481C1C}">
+                <a14:useLocalDpi xmlns:a14="http://schemas.microsoft.com/office/drawing/2010/main" val="0"/>
+              </a:ext>
+            </a:extLst>
+          </a:blip>
+          <a:stretch>
+            <a:fillRect/>
+          </a:stretch>
+        </p:blipFill>
+        <p:spPr>
+          <a:xfrm>
+            <a:off x="304800" y="195538"/>
+            <a:ext cx="1330009" cy="1282790"/>
+          </a:xfrm>
+          <a:prstGeom prst="rect">
+            <a:avLst/>
+          </a:prstGeom>
+        </p:spPr>
+      </p:pic>
+      <p:pic>
+        <p:nvPicPr>
+          <p:cNvPr id="19" name="Picture 18">
+            <a:extLst>
+              <a:ext uri="{FF2B5EF4-FFF2-40B4-BE49-F238E27FC236}">
+                <a16:creationId xmlns:a16="http://schemas.microsoft.com/office/drawing/2014/main" id="{074E45B7-68BC-4831-90B0-E5E138968DC4}"/>
+              </a:ext>
+            </a:extLst>
+          </p:cNvPr>
+          <p:cNvPicPr>
+            <a:picLocks noChangeAspect="1"/>
+          </p:cNvPicPr>
+          <p:nvPr/>
+        </p:nvPicPr>
+        <p:blipFill>
+          <a:blip r:embed="rId3">
+            <a:extLst>
+              <a:ext uri="{28A0092B-C50C-407E-A947-70E740481C1C}">
+                <a14:useLocalDpi xmlns:a14="http://schemas.microsoft.com/office/drawing/2010/main" val="0"/>
+              </a:ext>
+            </a:extLst>
+          </a:blip>
+          <a:stretch>
+            <a:fillRect/>
+          </a:stretch>
+        </p:blipFill>
+        <p:spPr>
+          <a:xfrm>
+            <a:off x="10464800" y="242874"/>
+            <a:ext cx="1330009" cy="1235454"/>
+          </a:xfrm>
+          <a:prstGeom prst="rect">
+            <a:avLst/>
+          </a:prstGeom>
+        </p:spPr>
+      </p:pic>
     </p:spTree>
     <p:extLst>
       <p:ext uri="{BB962C8B-B14F-4D97-AF65-F5344CB8AC3E}">

--- a/SLIDES/SiteDesign.pptx
+++ b/SLIDES/SiteDesign.pptx
@@ -261,7 +261,7 @@
           <a:p>
             <a:fld id="{19E2A0A9-8937-467D-8AD7-745938BD1BB0}" type="datetimeFigureOut">
               <a:rPr lang="en-GB" smtClean="0"/>
-              <a:t>24/11/2018</a:t>
+              <a:t>02/12/2018</a:t>
             </a:fld>
             <a:endParaRPr lang="en-GB"/>
           </a:p>
@@ -461,7 +461,7 @@
           <a:p>
             <a:fld id="{19E2A0A9-8937-467D-8AD7-745938BD1BB0}" type="datetimeFigureOut">
               <a:rPr lang="en-GB" smtClean="0"/>
-              <a:t>24/11/2018</a:t>
+              <a:t>02/12/2018</a:t>
             </a:fld>
             <a:endParaRPr lang="en-GB"/>
           </a:p>
@@ -671,7 +671,7 @@
           <a:p>
             <a:fld id="{19E2A0A9-8937-467D-8AD7-745938BD1BB0}" type="datetimeFigureOut">
               <a:rPr lang="en-GB" smtClean="0"/>
-              <a:t>24/11/2018</a:t>
+              <a:t>02/12/2018</a:t>
             </a:fld>
             <a:endParaRPr lang="en-GB"/>
           </a:p>
@@ -871,7 +871,7 @@
           <a:p>
             <a:fld id="{19E2A0A9-8937-467D-8AD7-745938BD1BB0}" type="datetimeFigureOut">
               <a:rPr lang="en-GB" smtClean="0"/>
-              <a:t>24/11/2018</a:t>
+              <a:t>02/12/2018</a:t>
             </a:fld>
             <a:endParaRPr lang="en-GB"/>
           </a:p>
@@ -1147,7 +1147,7 @@
           <a:p>
             <a:fld id="{19E2A0A9-8937-467D-8AD7-745938BD1BB0}" type="datetimeFigureOut">
               <a:rPr lang="en-GB" smtClean="0"/>
-              <a:t>24/11/2018</a:t>
+              <a:t>02/12/2018</a:t>
             </a:fld>
             <a:endParaRPr lang="en-GB"/>
           </a:p>
@@ -1415,7 +1415,7 @@
           <a:p>
             <a:fld id="{19E2A0A9-8937-467D-8AD7-745938BD1BB0}" type="datetimeFigureOut">
               <a:rPr lang="en-GB" smtClean="0"/>
-              <a:t>24/11/2018</a:t>
+              <a:t>02/12/2018</a:t>
             </a:fld>
             <a:endParaRPr lang="en-GB"/>
           </a:p>
@@ -1830,7 +1830,7 @@
           <a:p>
             <a:fld id="{19E2A0A9-8937-467D-8AD7-745938BD1BB0}" type="datetimeFigureOut">
               <a:rPr lang="en-GB" smtClean="0"/>
-              <a:t>24/11/2018</a:t>
+              <a:t>02/12/2018</a:t>
             </a:fld>
             <a:endParaRPr lang="en-GB"/>
           </a:p>
@@ -1972,7 +1972,7 @@
           <a:p>
             <a:fld id="{19E2A0A9-8937-467D-8AD7-745938BD1BB0}" type="datetimeFigureOut">
               <a:rPr lang="en-GB" smtClean="0"/>
-              <a:t>24/11/2018</a:t>
+              <a:t>02/12/2018</a:t>
             </a:fld>
             <a:endParaRPr lang="en-GB"/>
           </a:p>
@@ -2085,7 +2085,7 @@
           <a:p>
             <a:fld id="{19E2A0A9-8937-467D-8AD7-745938BD1BB0}" type="datetimeFigureOut">
               <a:rPr lang="en-GB" smtClean="0"/>
-              <a:t>24/11/2018</a:t>
+              <a:t>02/12/2018</a:t>
             </a:fld>
             <a:endParaRPr lang="en-GB"/>
           </a:p>
@@ -2398,7 +2398,7 @@
           <a:p>
             <a:fld id="{19E2A0A9-8937-467D-8AD7-745938BD1BB0}" type="datetimeFigureOut">
               <a:rPr lang="en-GB" smtClean="0"/>
-              <a:t>24/11/2018</a:t>
+              <a:t>02/12/2018</a:t>
             </a:fld>
             <a:endParaRPr lang="en-GB"/>
           </a:p>
@@ -2687,7 +2687,7 @@
           <a:p>
             <a:fld id="{19E2A0A9-8937-467D-8AD7-745938BD1BB0}" type="datetimeFigureOut">
               <a:rPr lang="en-GB" smtClean="0"/>
-              <a:t>24/11/2018</a:t>
+              <a:t>02/12/2018</a:t>
             </a:fld>
             <a:endParaRPr lang="en-GB"/>
           </a:p>
@@ -2930,7 +2930,7 @@
           <a:p>
             <a:fld id="{19E2A0A9-8937-467D-8AD7-745938BD1BB0}" type="datetimeFigureOut">
               <a:rPr lang="en-GB" smtClean="0"/>
-              <a:t>24/11/2018</a:t>
+              <a:t>02/12/2018</a:t>
             </a:fld>
             <a:endParaRPr lang="en-GB"/>
           </a:p>
@@ -3521,7 +3521,7 @@
             <a:avLst/>
           </a:prstGeom>
           <a:solidFill>
-            <a:schemeClr val="accent4">
+            <a:schemeClr val="accent3">
               <a:lumMod val="20000"/>
               <a:lumOff val="80000"/>
             </a:schemeClr>
@@ -3579,9 +3579,8 @@
             <a:avLst/>
           </a:prstGeom>
           <a:solidFill>
-            <a:schemeClr val="accent4">
-              <a:lumMod val="20000"/>
-              <a:lumOff val="80000"/>
+            <a:schemeClr val="bg1">
+              <a:lumMod val="95000"/>
             </a:schemeClr>
           </a:solidFill>
           <a:ln>
